--- a/grad-presentation-sopova 1.pptx
+++ b/grad-presentation-sopova 1.pptx
@@ -5941,13 +5941,13 @@
               </a:ext>
             </a:extLst>
           </a:blip>
-          <a:srcRect l="8993"/>
+          <a:srcRect l="1642" r="-1"/>
           <a:stretch/>
         </p:blipFill>
         <p:spPr>
           <a:xfrm>
-            <a:off x="219878" y="1489039"/>
-            <a:ext cx="3744422" cy="4178822"/>
+            <a:off x="281354" y="1497323"/>
+            <a:ext cx="3682946" cy="4162254"/>
           </a:xfrm>
           <a:prstGeom prst="rect">
             <a:avLst/>
@@ -5972,21 +5972,22 @@
           </p:cNvPicPr>
           <p:nvPr/>
         </p:nvPicPr>
-        <p:blipFill rotWithShape="1">
-          <a:blip r:embed="rId2">
+        <p:blipFill>
+          <a:blip r:embed="rId3">
             <a:extLst>
               <a:ext uri="{28A0092B-C50C-407E-A947-70E740481C1C}">
                 <a14:useLocalDpi xmlns:a14="http://schemas.microsoft.com/office/drawing/2010/main" val="0"/>
               </a:ext>
             </a:extLst>
           </a:blip>
-          <a:srcRect l="10035" b="7551"/>
-          <a:stretch/>
+          <a:stretch>
+            <a:fillRect/>
+          </a:stretch>
         </p:blipFill>
         <p:spPr>
           <a:xfrm>
-            <a:off x="4126028" y="1489038"/>
-            <a:ext cx="4796882" cy="4178822"/>
+            <a:off x="4126028" y="1494955"/>
+            <a:ext cx="4796882" cy="4166988"/>
           </a:xfrm>
           <a:prstGeom prst="rect">
             <a:avLst/>
@@ -9952,13 +9953,13 @@
       </p:sp>
       <p:pic>
         <p:nvPicPr>
-          <p:cNvPr id="4098" name="Picture 2" descr="mage result for example table machine learning"/>
+          <p:cNvPr id="4098" name="Picture 2"/>
           <p:cNvPicPr>
             <a:picLocks noChangeAspect="1" noChangeArrowheads="1"/>
           </p:cNvPicPr>
           <p:nvPr/>
         </p:nvPicPr>
-        <p:blipFill rotWithShape="1">
+        <p:blipFill>
           <a:blip r:embed="rId2">
             <a:extLst>
               <a:ext uri="{28A0092B-C50C-407E-A947-70E740481C1C}">
@@ -9966,13 +9967,14 @@
               </a:ext>
             </a:extLst>
           </a:blip>
-          <a:srcRect b="26650"/>
-          <a:stretch/>
+          <a:stretch>
+            <a:fillRect/>
+          </a:stretch>
         </p:blipFill>
         <p:spPr bwMode="auto">
           <a:xfrm>
-            <a:off x="889000" y="1915410"/>
-            <a:ext cx="5803900" cy="2619367"/>
+            <a:off x="918679" y="1915410"/>
+            <a:ext cx="5744542" cy="2619367"/>
           </a:xfrm>
           <a:prstGeom prst="rect">
             <a:avLst/>
@@ -10168,34 +10170,35 @@
         <p:grpSpPr>
           <a:xfrm>
             <a:off x="889000" y="5086351"/>
-            <a:ext cx="4715970" cy="807263"/>
+            <a:ext cx="4715970" cy="792096"/>
             <a:chOff x="889000" y="5086351"/>
-            <a:chExt cx="4715970" cy="807263"/>
+            <a:chExt cx="4715970" cy="792096"/>
           </a:xfrm>
         </p:grpSpPr>
         <p:pic>
           <p:nvPicPr>
-            <p:cNvPr id="4100" name="Picture 4" descr="mage result for example table machine learning"/>
+            <p:cNvPr id="4100" name="Picture 4"/>
             <p:cNvPicPr>
               <a:picLocks noChangeAspect="1" noChangeArrowheads="1"/>
             </p:cNvPicPr>
             <p:nvPr/>
           </p:nvPicPr>
-          <p:blipFill rotWithShape="1">
-            <a:blip r:embed="rId2">
+          <p:blipFill>
+            <a:blip r:embed="rId3">
               <a:extLst>
                 <a:ext uri="{28A0092B-C50C-407E-A947-70E740481C1C}">
                   <a14:useLocalDpi xmlns:a14="http://schemas.microsoft.com/office/drawing/2010/main" val="0"/>
                 </a:ext>
               </a:extLst>
             </a:blip>
-            <a:srcRect t="72702" r="21218" b="7454"/>
-            <a:stretch/>
+            <a:stretch>
+              <a:fillRect/>
+            </a:stretch>
           </p:blipFill>
           <p:spPr bwMode="auto">
             <a:xfrm>
-              <a:off x="889000" y="5185763"/>
-              <a:ext cx="4567420" cy="707851"/>
+              <a:off x="889000" y="5207595"/>
+              <a:ext cx="4567420" cy="664186"/>
             </a:xfrm>
             <a:prstGeom prst="rect">
               <a:avLst/>
@@ -10827,19 +10830,19 @@
           <a:p>
             <a:r>
               <a:rPr lang="en-US" sz="1000" dirty="0" smtClean="0">
-                <a:hlinkClick r:id="rId3"/>
+                <a:hlinkClick r:id="rId4"/>
               </a:rPr>
               <a:t>[</a:t>
             </a:r>
             <a:r>
               <a:rPr lang="en-US" sz="1000" dirty="0" smtClean="0">
-                <a:hlinkClick r:id="rId4"/>
+                <a:hlinkClick r:id="rId5"/>
               </a:rPr>
               <a:t>Link</a:t>
             </a:r>
             <a:r>
               <a:rPr lang="en-US" sz="1000" dirty="0" smtClean="0">
-                <a:hlinkClick r:id="rId3"/>
+                <a:hlinkClick r:id="rId4"/>
               </a:rPr>
               <a:t>]</a:t>
             </a:r>
@@ -10870,19 +10873,19 @@
           <a:p>
             <a:r>
               <a:rPr lang="en-US" sz="1000" dirty="0" smtClean="0">
-                <a:hlinkClick r:id="rId3"/>
+                <a:hlinkClick r:id="rId4"/>
               </a:rPr>
               <a:t>[</a:t>
             </a:r>
             <a:r>
               <a:rPr lang="en-US" sz="1000" dirty="0" smtClean="0">
-                <a:hlinkClick r:id="rId4"/>
+                <a:hlinkClick r:id="rId5"/>
               </a:rPr>
               <a:t>Link</a:t>
             </a:r>
             <a:r>
               <a:rPr lang="en-US" sz="1000" dirty="0" smtClean="0">
-                <a:hlinkClick r:id="rId3"/>
+                <a:hlinkClick r:id="rId4"/>
               </a:rPr>
               <a:t>]</a:t>
             </a:r>
@@ -10979,13 +10982,13 @@
       </p:sp>
       <p:pic>
         <p:nvPicPr>
-          <p:cNvPr id="4098" name="Picture 2" descr="mage result for example table machine learning"/>
+          <p:cNvPr id="4098" name="Picture 2"/>
           <p:cNvPicPr>
             <a:picLocks noChangeAspect="1" noChangeArrowheads="1"/>
           </p:cNvPicPr>
           <p:nvPr/>
         </p:nvPicPr>
-        <p:blipFill rotWithShape="1">
+        <p:blipFill>
           <a:blip r:embed="rId2">
             <a:extLst>
               <a:ext uri="{28A0092B-C50C-407E-A947-70E740481C1C}">
@@ -10993,13 +10996,14 @@
               </a:ext>
             </a:extLst>
           </a:blip>
-          <a:srcRect b="26650"/>
-          <a:stretch/>
+          <a:stretch>
+            <a:fillRect/>
+          </a:stretch>
         </p:blipFill>
         <p:spPr bwMode="auto">
           <a:xfrm>
-            <a:off x="889000" y="1915410"/>
-            <a:ext cx="5803900" cy="2619367"/>
+            <a:off x="918679" y="1915410"/>
+            <a:ext cx="5744542" cy="2619367"/>
           </a:xfrm>
           <a:prstGeom prst="rect">
             <a:avLst/>
@@ -11195,34 +11199,35 @@
         <p:grpSpPr>
           <a:xfrm>
             <a:off x="889000" y="5086351"/>
-            <a:ext cx="4715970" cy="807263"/>
+            <a:ext cx="4715970" cy="792096"/>
             <a:chOff x="889000" y="5086351"/>
-            <a:chExt cx="4715970" cy="807263"/>
+            <a:chExt cx="4715970" cy="792096"/>
           </a:xfrm>
         </p:grpSpPr>
         <p:pic>
           <p:nvPicPr>
-            <p:cNvPr id="4100" name="Picture 4" descr="mage result for example table machine learning"/>
+            <p:cNvPr id="4100" name="Picture 4"/>
             <p:cNvPicPr>
               <a:picLocks noChangeAspect="1" noChangeArrowheads="1"/>
             </p:cNvPicPr>
             <p:nvPr/>
           </p:nvPicPr>
-          <p:blipFill rotWithShape="1">
-            <a:blip r:embed="rId2">
+          <p:blipFill>
+            <a:blip r:embed="rId3">
               <a:extLst>
                 <a:ext uri="{28A0092B-C50C-407E-A947-70E740481C1C}">
                   <a14:useLocalDpi xmlns:a14="http://schemas.microsoft.com/office/drawing/2010/main" val="0"/>
                 </a:ext>
               </a:extLst>
             </a:blip>
-            <a:srcRect t="72702" r="21218" b="7454"/>
-            <a:stretch/>
+            <a:stretch>
+              <a:fillRect/>
+            </a:stretch>
           </p:blipFill>
           <p:spPr bwMode="auto">
             <a:xfrm>
-              <a:off x="889000" y="5185763"/>
-              <a:ext cx="4567420" cy="707851"/>
+              <a:off x="889000" y="5207595"/>
+              <a:ext cx="4567420" cy="664186"/>
             </a:xfrm>
             <a:prstGeom prst="rect">
               <a:avLst/>
@@ -11773,19 +11778,19 @@
           <a:p>
             <a:r>
               <a:rPr lang="en-US" sz="1000" dirty="0" smtClean="0">
-                <a:hlinkClick r:id="rId3"/>
+                <a:hlinkClick r:id="rId4"/>
               </a:rPr>
               <a:t>[</a:t>
             </a:r>
             <a:r>
               <a:rPr lang="en-US" sz="1000" dirty="0" smtClean="0">
-                <a:hlinkClick r:id="rId4"/>
+                <a:hlinkClick r:id="rId5"/>
               </a:rPr>
               <a:t>Link</a:t>
             </a:r>
             <a:r>
               <a:rPr lang="en-US" sz="1000" dirty="0" smtClean="0">
-                <a:hlinkClick r:id="rId3"/>
+                <a:hlinkClick r:id="rId4"/>
               </a:rPr>
               <a:t>]</a:t>
             </a:r>
@@ -11816,19 +11821,19 @@
           <a:p>
             <a:r>
               <a:rPr lang="en-US" sz="1000" dirty="0" smtClean="0">
-                <a:hlinkClick r:id="rId3"/>
+                <a:hlinkClick r:id="rId4"/>
               </a:rPr>
               <a:t>[</a:t>
             </a:r>
             <a:r>
               <a:rPr lang="en-US" sz="1000" dirty="0" smtClean="0">
-                <a:hlinkClick r:id="rId4"/>
+                <a:hlinkClick r:id="rId5"/>
               </a:rPr>
               <a:t>Link</a:t>
             </a:r>
             <a:r>
               <a:rPr lang="en-US" sz="1000" dirty="0" smtClean="0">
-                <a:hlinkClick r:id="rId3"/>
+                <a:hlinkClick r:id="rId4"/>
               </a:rPr>
               <a:t>]</a:t>
             </a:r>
